--- a/wanma/patent/一种基于区块链的充电桩充电交易通讯方法及装置/交易区块结构.pptx
+++ b/wanma/patent/一种基于区块链的充电桩充电交易通讯方法及装置/交易区块结构.pptx
@@ -8,6 +8,7 @@
     <p:sldId id="256" r:id="rId2"/>
     <p:sldId id="257" r:id="rId3"/>
     <p:sldId id="258" r:id="rId4"/>
+    <p:sldId id="259" r:id="rId5"/>
   </p:sldIdLst>
   <p:sldSz cx="12192000" cy="6858000"/>
   <p:notesSz cx="6858000" cy="9144000"/>
@@ -106,6 +107,11 @@
       </a:defRPr>
     </a:lvl9pPr>
   </p:defaultTextStyle>
+  <p:extLst>
+    <p:ext uri="{EFAFB233-063F-42B5-8137-9DF3F51BA10A}">
+      <p15:sldGuideLst xmlns:p15="http://schemas.microsoft.com/office/powerpoint/2012/main"/>
+    </p:ext>
+  </p:extLst>
 </p:presentation>
 </file>
 
@@ -240,7 +246,7 @@
           <a:p>
             <a:fld id="{9E23FDE9-FFB5-5E45-B5B1-B91B1A59900A}" type="datetimeFigureOut">
               <a:rPr kumimoji="1" lang="zh-CN" altLang="en-US" smtClean="0"/>
-              <a:t>16/2/19</a:t>
+              <a:t>16/4/7</a:t>
             </a:fld>
             <a:endParaRPr kumimoji="1" lang="zh-CN" altLang="en-US"/>
           </a:p>
@@ -410,7 +416,7 @@
           <a:p>
             <a:fld id="{9E23FDE9-FFB5-5E45-B5B1-B91B1A59900A}" type="datetimeFigureOut">
               <a:rPr kumimoji="1" lang="zh-CN" altLang="en-US" smtClean="0"/>
-              <a:t>16/2/19</a:t>
+              <a:t>16/4/7</a:t>
             </a:fld>
             <a:endParaRPr kumimoji="1" lang="zh-CN" altLang="en-US"/>
           </a:p>
@@ -590,7 +596,7 @@
           <a:p>
             <a:fld id="{9E23FDE9-FFB5-5E45-B5B1-B91B1A59900A}" type="datetimeFigureOut">
               <a:rPr kumimoji="1" lang="zh-CN" altLang="en-US" smtClean="0"/>
-              <a:t>16/2/19</a:t>
+              <a:t>16/4/7</a:t>
             </a:fld>
             <a:endParaRPr kumimoji="1" lang="zh-CN" altLang="en-US"/>
           </a:p>
@@ -760,7 +766,7 @@
           <a:p>
             <a:fld id="{9E23FDE9-FFB5-5E45-B5B1-B91B1A59900A}" type="datetimeFigureOut">
               <a:rPr kumimoji="1" lang="zh-CN" altLang="en-US" smtClean="0"/>
-              <a:t>16/2/19</a:t>
+              <a:t>16/4/7</a:t>
             </a:fld>
             <a:endParaRPr kumimoji="1" lang="zh-CN" altLang="en-US"/>
           </a:p>
@@ -1006,7 +1012,7 @@
           <a:p>
             <a:fld id="{9E23FDE9-FFB5-5E45-B5B1-B91B1A59900A}" type="datetimeFigureOut">
               <a:rPr kumimoji="1" lang="zh-CN" altLang="en-US" smtClean="0"/>
-              <a:t>16/2/19</a:t>
+              <a:t>16/4/7</a:t>
             </a:fld>
             <a:endParaRPr kumimoji="1" lang="zh-CN" altLang="en-US"/>
           </a:p>
@@ -1238,7 +1244,7 @@
           <a:p>
             <a:fld id="{9E23FDE9-FFB5-5E45-B5B1-B91B1A59900A}" type="datetimeFigureOut">
               <a:rPr kumimoji="1" lang="zh-CN" altLang="en-US" smtClean="0"/>
-              <a:t>16/2/19</a:t>
+              <a:t>16/4/7</a:t>
             </a:fld>
             <a:endParaRPr kumimoji="1" lang="zh-CN" altLang="en-US"/>
           </a:p>
@@ -1605,7 +1611,7 @@
           <a:p>
             <a:fld id="{9E23FDE9-FFB5-5E45-B5B1-B91B1A59900A}" type="datetimeFigureOut">
               <a:rPr kumimoji="1" lang="zh-CN" altLang="en-US" smtClean="0"/>
-              <a:t>16/2/19</a:t>
+              <a:t>16/4/7</a:t>
             </a:fld>
             <a:endParaRPr kumimoji="1" lang="zh-CN" altLang="en-US"/>
           </a:p>
@@ -1723,7 +1729,7 @@
           <a:p>
             <a:fld id="{9E23FDE9-FFB5-5E45-B5B1-B91B1A59900A}" type="datetimeFigureOut">
               <a:rPr kumimoji="1" lang="zh-CN" altLang="en-US" smtClean="0"/>
-              <a:t>16/2/19</a:t>
+              <a:t>16/4/7</a:t>
             </a:fld>
             <a:endParaRPr kumimoji="1" lang="zh-CN" altLang="en-US"/>
           </a:p>
@@ -1818,7 +1824,7 @@
           <a:p>
             <a:fld id="{9E23FDE9-FFB5-5E45-B5B1-B91B1A59900A}" type="datetimeFigureOut">
               <a:rPr kumimoji="1" lang="zh-CN" altLang="en-US" smtClean="0"/>
-              <a:t>16/2/19</a:t>
+              <a:t>16/4/7</a:t>
             </a:fld>
             <a:endParaRPr kumimoji="1" lang="zh-CN" altLang="en-US"/>
           </a:p>
@@ -2095,7 +2101,7 @@
           <a:p>
             <a:fld id="{9E23FDE9-FFB5-5E45-B5B1-B91B1A59900A}" type="datetimeFigureOut">
               <a:rPr kumimoji="1" lang="zh-CN" altLang="en-US" smtClean="0"/>
-              <a:t>16/2/19</a:t>
+              <a:t>16/4/7</a:t>
             </a:fld>
             <a:endParaRPr kumimoji="1" lang="zh-CN" altLang="en-US"/>
           </a:p>
@@ -2348,7 +2354,7 @@
           <a:p>
             <a:fld id="{9E23FDE9-FFB5-5E45-B5B1-B91B1A59900A}" type="datetimeFigureOut">
               <a:rPr kumimoji="1" lang="zh-CN" altLang="en-US" smtClean="0"/>
-              <a:t>16/2/19</a:t>
+              <a:t>16/4/7</a:t>
             </a:fld>
             <a:endParaRPr kumimoji="1" lang="zh-CN" altLang="en-US"/>
           </a:p>
@@ -2561,7 +2567,7 @@
           <a:p>
             <a:fld id="{9E23FDE9-FFB5-5E45-B5B1-B91B1A59900A}" type="datetimeFigureOut">
               <a:rPr kumimoji="1" lang="zh-CN" altLang="en-US" smtClean="0"/>
-              <a:t>16/2/19</a:t>
+              <a:t>16/4/7</a:t>
             </a:fld>
             <a:endParaRPr kumimoji="1" lang="zh-CN" altLang="en-US"/>
           </a:p>
@@ -5278,6 +5284,625 @@
 </p:sld>
 </file>
 
+<file path=ppt/slides/slide4.xml><?xml version="1.0" encoding="utf-8"?>
+<p:sld xmlns:a="http://schemas.openxmlformats.org/drawingml/2006/main" xmlns:r="http://schemas.openxmlformats.org/officeDocument/2006/relationships" xmlns:p="http://schemas.openxmlformats.org/presentationml/2006/main">
+  <p:cSld>
+    <p:spTree>
+      <p:nvGrpSpPr>
+        <p:cNvPr id="1" name=""/>
+        <p:cNvGrpSpPr/>
+        <p:nvPr/>
+      </p:nvGrpSpPr>
+      <p:grpSpPr>
+        <a:xfrm>
+          <a:off x="0" y="0"/>
+          <a:ext cx="0" cy="0"/>
+          <a:chOff x="0" y="0"/>
+          <a:chExt cx="0" cy="0"/>
+        </a:xfrm>
+      </p:grpSpPr>
+      <p:sp>
+        <p:nvSpPr>
+          <p:cNvPr id="4" name="罐形 3"/>
+          <p:cNvSpPr/>
+          <p:nvPr/>
+        </p:nvSpPr>
+        <p:spPr>
+          <a:xfrm>
+            <a:off x="3733800" y="3898900"/>
+            <a:ext cx="1358900" cy="850900"/>
+          </a:xfrm>
+          <a:prstGeom prst="can">
+            <a:avLst/>
+          </a:prstGeom>
+          <a:noFill/>
+        </p:spPr>
+        <p:style>
+          <a:lnRef idx="2">
+            <a:schemeClr val="accent1">
+              <a:shade val="50000"/>
+            </a:schemeClr>
+          </a:lnRef>
+          <a:fillRef idx="1">
+            <a:schemeClr val="accent1"/>
+          </a:fillRef>
+          <a:effectRef idx="0">
+            <a:schemeClr val="accent1"/>
+          </a:effectRef>
+          <a:fontRef idx="minor">
+            <a:schemeClr val="lt1"/>
+          </a:fontRef>
+        </p:style>
+        <p:txBody>
+          <a:bodyPr rtlCol="0" anchor="ctr"/>
+          <a:lstStyle/>
+          <a:p>
+            <a:pPr algn="ctr"/>
+            <a:r>
+              <a:rPr kumimoji="1" lang="en-US" altLang="zh-CN" dirty="0" err="1" smtClean="0">
+                <a:solidFill>
+                  <a:schemeClr val="tx1"/>
+                </a:solidFill>
+              </a:rPr>
+              <a:t>HBase</a:t>
+            </a:r>
+            <a:endParaRPr kumimoji="1" lang="zh-CN" altLang="en-US" dirty="0">
+              <a:solidFill>
+                <a:schemeClr val="tx1"/>
+              </a:solidFill>
+            </a:endParaRPr>
+          </a:p>
+        </p:txBody>
+      </p:sp>
+      <p:sp>
+        <p:nvSpPr>
+          <p:cNvPr id="5" name="矩形 4"/>
+          <p:cNvSpPr/>
+          <p:nvPr/>
+        </p:nvSpPr>
+        <p:spPr>
+          <a:xfrm>
+            <a:off x="2019300" y="2540000"/>
+            <a:ext cx="4775200" cy="939800"/>
+          </a:xfrm>
+          <a:prstGeom prst="rect">
+            <a:avLst/>
+          </a:prstGeom>
+          <a:noFill/>
+        </p:spPr>
+        <p:style>
+          <a:lnRef idx="2">
+            <a:schemeClr val="accent1">
+              <a:shade val="50000"/>
+            </a:schemeClr>
+          </a:lnRef>
+          <a:fillRef idx="1">
+            <a:schemeClr val="accent1"/>
+          </a:fillRef>
+          <a:effectRef idx="0">
+            <a:schemeClr val="accent1"/>
+          </a:effectRef>
+          <a:fontRef idx="minor">
+            <a:schemeClr val="lt1"/>
+          </a:fontRef>
+        </p:style>
+        <p:txBody>
+          <a:bodyPr rtlCol="0" anchor="ctr"/>
+          <a:lstStyle/>
+          <a:p>
+            <a:pPr algn="ctr"/>
+            <a:endParaRPr kumimoji="1" lang="zh-CN" altLang="en-US"/>
+          </a:p>
+        </p:txBody>
+      </p:sp>
+      <p:sp>
+        <p:nvSpPr>
+          <p:cNvPr id="6" name="立方体 5"/>
+          <p:cNvSpPr/>
+          <p:nvPr/>
+        </p:nvSpPr>
+        <p:spPr>
+          <a:xfrm>
+            <a:off x="2298700" y="2699512"/>
+            <a:ext cx="1079500" cy="551688"/>
+          </a:xfrm>
+          <a:prstGeom prst="cube">
+            <a:avLst/>
+          </a:prstGeom>
+          <a:noFill/>
+        </p:spPr>
+        <p:style>
+          <a:lnRef idx="2">
+            <a:schemeClr val="accent1">
+              <a:shade val="50000"/>
+            </a:schemeClr>
+          </a:lnRef>
+          <a:fillRef idx="1">
+            <a:schemeClr val="accent1"/>
+          </a:fillRef>
+          <a:effectRef idx="0">
+            <a:schemeClr val="accent1"/>
+          </a:effectRef>
+          <a:fontRef idx="minor">
+            <a:schemeClr val="lt1"/>
+          </a:fontRef>
+        </p:style>
+        <p:txBody>
+          <a:bodyPr rtlCol="0" anchor="ctr"/>
+          <a:lstStyle/>
+          <a:p>
+            <a:pPr algn="ctr"/>
+            <a:r>
+              <a:rPr lang="zh-CN" altLang="en-US" sz="1400" dirty="0" smtClean="0">
+                <a:solidFill>
+                  <a:schemeClr val="tx1"/>
+                </a:solidFill>
+              </a:rPr>
+              <a:t>代价权值计算节点</a:t>
+            </a:r>
+            <a:endParaRPr kumimoji="1" lang="zh-CN" altLang="en-US" sz="1400" dirty="0">
+              <a:solidFill>
+                <a:schemeClr val="tx1"/>
+              </a:solidFill>
+            </a:endParaRPr>
+          </a:p>
+        </p:txBody>
+      </p:sp>
+      <p:sp>
+        <p:nvSpPr>
+          <p:cNvPr id="7" name="立方体 6"/>
+          <p:cNvSpPr/>
+          <p:nvPr/>
+        </p:nvSpPr>
+        <p:spPr>
+          <a:xfrm>
+            <a:off x="3810000" y="2712212"/>
+            <a:ext cx="1079500" cy="551688"/>
+          </a:xfrm>
+          <a:prstGeom prst="cube">
+            <a:avLst/>
+          </a:prstGeom>
+          <a:noFill/>
+        </p:spPr>
+        <p:style>
+          <a:lnRef idx="2">
+            <a:schemeClr val="accent1">
+              <a:shade val="50000"/>
+            </a:schemeClr>
+          </a:lnRef>
+          <a:fillRef idx="1">
+            <a:schemeClr val="accent1"/>
+          </a:fillRef>
+          <a:effectRef idx="0">
+            <a:schemeClr val="accent1"/>
+          </a:effectRef>
+          <a:fontRef idx="minor">
+            <a:schemeClr val="lt1"/>
+          </a:fontRef>
+        </p:style>
+        <p:txBody>
+          <a:bodyPr rtlCol="0" anchor="ctr"/>
+          <a:lstStyle/>
+          <a:p>
+            <a:pPr algn="ctr"/>
+            <a:r>
+              <a:rPr lang="zh-CN" altLang="en-US" sz="1400" dirty="0" smtClean="0">
+                <a:solidFill>
+                  <a:schemeClr val="tx1"/>
+                </a:solidFill>
+              </a:rPr>
+              <a:t>代价权值计算节点</a:t>
+            </a:r>
+            <a:endParaRPr kumimoji="1" lang="zh-CN" altLang="en-US" sz="1400" dirty="0">
+              <a:solidFill>
+                <a:schemeClr val="tx1"/>
+              </a:solidFill>
+            </a:endParaRPr>
+          </a:p>
+        </p:txBody>
+      </p:sp>
+      <p:sp>
+        <p:nvSpPr>
+          <p:cNvPr id="8" name="立方体 7"/>
+          <p:cNvSpPr/>
+          <p:nvPr/>
+        </p:nvSpPr>
+        <p:spPr>
+          <a:xfrm>
+            <a:off x="5359400" y="2686812"/>
+            <a:ext cx="1079500" cy="551688"/>
+          </a:xfrm>
+          <a:prstGeom prst="cube">
+            <a:avLst/>
+          </a:prstGeom>
+          <a:noFill/>
+        </p:spPr>
+        <p:style>
+          <a:lnRef idx="2">
+            <a:schemeClr val="accent1">
+              <a:shade val="50000"/>
+            </a:schemeClr>
+          </a:lnRef>
+          <a:fillRef idx="1">
+            <a:schemeClr val="accent1"/>
+          </a:fillRef>
+          <a:effectRef idx="0">
+            <a:schemeClr val="accent1"/>
+          </a:effectRef>
+          <a:fontRef idx="minor">
+            <a:schemeClr val="lt1"/>
+          </a:fontRef>
+        </p:style>
+        <p:txBody>
+          <a:bodyPr rtlCol="0" anchor="ctr"/>
+          <a:lstStyle/>
+          <a:p>
+            <a:pPr algn="ctr"/>
+            <a:r>
+              <a:rPr lang="zh-CN" altLang="en-US" sz="1400" dirty="0" smtClean="0">
+                <a:solidFill>
+                  <a:schemeClr val="tx1"/>
+                </a:solidFill>
+              </a:rPr>
+              <a:t>代价权值计算节点</a:t>
+            </a:r>
+            <a:endParaRPr kumimoji="1" lang="zh-CN" altLang="en-US" sz="1400" dirty="0">
+              <a:solidFill>
+                <a:schemeClr val="tx1"/>
+              </a:solidFill>
+            </a:endParaRPr>
+          </a:p>
+        </p:txBody>
+      </p:sp>
+      <p:cxnSp>
+        <p:nvCxnSpPr>
+          <p:cNvPr id="11" name="直线箭头连接符 10"/>
+          <p:cNvCxnSpPr>
+            <a:stCxn id="4" idx="1"/>
+            <a:endCxn id="5" idx="2"/>
+          </p:cNvCxnSpPr>
+          <p:nvPr/>
+        </p:nvCxnSpPr>
+        <p:spPr>
+          <a:xfrm flipH="1" flipV="1">
+            <a:off x="4406900" y="3479800"/>
+            <a:ext cx="6350" cy="419100"/>
+          </a:xfrm>
+          <a:prstGeom prst="straightConnector1">
+            <a:avLst/>
+          </a:prstGeom>
+          <a:ln>
+            <a:tailEnd type="triangle"/>
+          </a:ln>
+        </p:spPr>
+        <p:style>
+          <a:lnRef idx="1">
+            <a:schemeClr val="accent1"/>
+          </a:lnRef>
+          <a:fillRef idx="0">
+            <a:schemeClr val="accent1"/>
+          </a:fillRef>
+          <a:effectRef idx="0">
+            <a:schemeClr val="accent1"/>
+          </a:effectRef>
+          <a:fontRef idx="minor">
+            <a:schemeClr val="tx1"/>
+          </a:fontRef>
+        </p:style>
+      </p:cxnSp>
+      <p:sp>
+        <p:nvSpPr>
+          <p:cNvPr id="15" name="文本框 14"/>
+          <p:cNvSpPr txBox="1"/>
+          <p:nvPr/>
+        </p:nvSpPr>
+        <p:spPr>
+          <a:xfrm>
+            <a:off x="901700" y="2794000"/>
+            <a:ext cx="1107996" cy="369332"/>
+          </a:xfrm>
+          <a:prstGeom prst="rect">
+            <a:avLst/>
+          </a:prstGeom>
+          <a:noFill/>
+        </p:spPr>
+        <p:txBody>
+          <a:bodyPr wrap="none" rtlCol="0">
+            <a:spAutoFit/>
+          </a:bodyPr>
+          <a:lstStyle/>
+          <a:p>
+            <a:r>
+              <a:rPr kumimoji="1" lang="zh-CN" altLang="en-US" dirty="0" smtClean="0"/>
+              <a:t>流式计算</a:t>
+            </a:r>
+            <a:endParaRPr kumimoji="1" lang="zh-CN" altLang="en-US" dirty="0"/>
+          </a:p>
+        </p:txBody>
+      </p:sp>
+      <p:sp>
+        <p:nvSpPr>
+          <p:cNvPr id="16" name="矩形 15"/>
+          <p:cNvSpPr/>
+          <p:nvPr/>
+        </p:nvSpPr>
+        <p:spPr>
+          <a:xfrm>
+            <a:off x="2019300" y="1308100"/>
+            <a:ext cx="4775200" cy="939800"/>
+          </a:xfrm>
+          <a:prstGeom prst="rect">
+            <a:avLst/>
+          </a:prstGeom>
+          <a:noFill/>
+        </p:spPr>
+        <p:style>
+          <a:lnRef idx="2">
+            <a:schemeClr val="accent1">
+              <a:shade val="50000"/>
+            </a:schemeClr>
+          </a:lnRef>
+          <a:fillRef idx="1">
+            <a:schemeClr val="accent1"/>
+          </a:fillRef>
+          <a:effectRef idx="0">
+            <a:schemeClr val="accent1"/>
+          </a:effectRef>
+          <a:fontRef idx="minor">
+            <a:schemeClr val="lt1"/>
+          </a:fontRef>
+        </p:style>
+        <p:txBody>
+          <a:bodyPr rtlCol="0" anchor="ctr"/>
+          <a:lstStyle/>
+          <a:p>
+            <a:pPr algn="ctr"/>
+            <a:endParaRPr kumimoji="1" lang="zh-CN" altLang="en-US"/>
+          </a:p>
+        </p:txBody>
+      </p:sp>
+      <p:sp>
+        <p:nvSpPr>
+          <p:cNvPr id="17" name="立方体 16"/>
+          <p:cNvSpPr/>
+          <p:nvPr/>
+        </p:nvSpPr>
+        <p:spPr>
+          <a:xfrm>
+            <a:off x="2298700" y="1467612"/>
+            <a:ext cx="1079500" cy="551688"/>
+          </a:xfrm>
+          <a:prstGeom prst="cube">
+            <a:avLst/>
+          </a:prstGeom>
+          <a:noFill/>
+        </p:spPr>
+        <p:style>
+          <a:lnRef idx="2">
+            <a:schemeClr val="accent1">
+              <a:shade val="50000"/>
+            </a:schemeClr>
+          </a:lnRef>
+          <a:fillRef idx="1">
+            <a:schemeClr val="accent1"/>
+          </a:fillRef>
+          <a:effectRef idx="0">
+            <a:schemeClr val="accent1"/>
+          </a:effectRef>
+          <a:fontRef idx="minor">
+            <a:schemeClr val="lt1"/>
+          </a:fontRef>
+        </p:style>
+        <p:txBody>
+          <a:bodyPr rtlCol="0" anchor="ctr"/>
+          <a:lstStyle/>
+          <a:p>
+            <a:pPr algn="ctr"/>
+            <a:r>
+              <a:rPr lang="zh-CN" altLang="en-US" sz="1400" dirty="0" smtClean="0">
+                <a:solidFill>
+                  <a:schemeClr val="tx1"/>
+                </a:solidFill>
+              </a:rPr>
+              <a:t>代价权值均值归并</a:t>
+            </a:r>
+            <a:endParaRPr kumimoji="1" lang="zh-CN" altLang="en-US" sz="1400" dirty="0">
+              <a:solidFill>
+                <a:schemeClr val="tx1"/>
+              </a:solidFill>
+            </a:endParaRPr>
+          </a:p>
+        </p:txBody>
+      </p:sp>
+      <p:sp>
+        <p:nvSpPr>
+          <p:cNvPr id="18" name="立方体 17"/>
+          <p:cNvSpPr/>
+          <p:nvPr/>
+        </p:nvSpPr>
+        <p:spPr>
+          <a:xfrm>
+            <a:off x="3810000" y="1480312"/>
+            <a:ext cx="1079500" cy="551688"/>
+          </a:xfrm>
+          <a:prstGeom prst="cube">
+            <a:avLst/>
+          </a:prstGeom>
+          <a:noFill/>
+        </p:spPr>
+        <p:style>
+          <a:lnRef idx="2">
+            <a:schemeClr val="accent1">
+              <a:shade val="50000"/>
+            </a:schemeClr>
+          </a:lnRef>
+          <a:fillRef idx="1">
+            <a:schemeClr val="accent1"/>
+          </a:fillRef>
+          <a:effectRef idx="0">
+            <a:schemeClr val="accent1"/>
+          </a:effectRef>
+          <a:fontRef idx="minor">
+            <a:schemeClr val="lt1"/>
+          </a:fontRef>
+        </p:style>
+        <p:txBody>
+          <a:bodyPr rtlCol="0" anchor="ctr"/>
+          <a:lstStyle/>
+          <a:p>
+            <a:pPr algn="ctr"/>
+            <a:r>
+              <a:rPr lang="zh-CN" altLang="en-US" sz="1400" dirty="0" smtClean="0">
+                <a:solidFill>
+                  <a:schemeClr val="tx1"/>
+                </a:solidFill>
+              </a:rPr>
+              <a:t>专家权值修正</a:t>
+            </a:r>
+            <a:endParaRPr kumimoji="1" lang="zh-CN" altLang="en-US" sz="1400" dirty="0">
+              <a:solidFill>
+                <a:schemeClr val="tx1"/>
+              </a:solidFill>
+            </a:endParaRPr>
+          </a:p>
+        </p:txBody>
+      </p:sp>
+      <p:sp>
+        <p:nvSpPr>
+          <p:cNvPr id="19" name="立方体 18"/>
+          <p:cNvSpPr/>
+          <p:nvPr/>
+        </p:nvSpPr>
+        <p:spPr>
+          <a:xfrm>
+            <a:off x="5359400" y="1454912"/>
+            <a:ext cx="1079500" cy="551688"/>
+          </a:xfrm>
+          <a:prstGeom prst="cube">
+            <a:avLst/>
+          </a:prstGeom>
+          <a:noFill/>
+        </p:spPr>
+        <p:style>
+          <a:lnRef idx="2">
+            <a:schemeClr val="accent1">
+              <a:shade val="50000"/>
+            </a:schemeClr>
+          </a:lnRef>
+          <a:fillRef idx="1">
+            <a:schemeClr val="accent1"/>
+          </a:fillRef>
+          <a:effectRef idx="0">
+            <a:schemeClr val="accent1"/>
+          </a:effectRef>
+          <a:fontRef idx="minor">
+            <a:schemeClr val="lt1"/>
+          </a:fontRef>
+        </p:style>
+        <p:txBody>
+          <a:bodyPr rtlCol="0" anchor="ctr"/>
+          <a:lstStyle/>
+          <a:p>
+            <a:pPr algn="ctr"/>
+            <a:r>
+              <a:rPr lang="zh-CN" altLang="en-US" sz="1400" dirty="0" smtClean="0">
+                <a:solidFill>
+                  <a:schemeClr val="tx1"/>
+                </a:solidFill>
+              </a:rPr>
+              <a:t>故障定量权值计算</a:t>
+            </a:r>
+            <a:endParaRPr kumimoji="1" lang="zh-CN" altLang="en-US" sz="1400" dirty="0">
+              <a:solidFill>
+                <a:schemeClr val="tx1"/>
+              </a:solidFill>
+            </a:endParaRPr>
+          </a:p>
+        </p:txBody>
+      </p:sp>
+      <p:cxnSp>
+        <p:nvCxnSpPr>
+          <p:cNvPr id="20" name="直线箭头连接符 19"/>
+          <p:cNvCxnSpPr>
+            <a:stCxn id="5" idx="0"/>
+            <a:endCxn id="16" idx="2"/>
+          </p:cNvCxnSpPr>
+          <p:nvPr/>
+        </p:nvCxnSpPr>
+        <p:spPr>
+          <a:xfrm flipV="1">
+            <a:off x="4406900" y="2247900"/>
+            <a:ext cx="0" cy="292100"/>
+          </a:xfrm>
+          <a:prstGeom prst="straightConnector1">
+            <a:avLst/>
+          </a:prstGeom>
+          <a:ln>
+            <a:tailEnd type="triangle"/>
+          </a:ln>
+        </p:spPr>
+        <p:style>
+          <a:lnRef idx="1">
+            <a:schemeClr val="accent1"/>
+          </a:lnRef>
+          <a:fillRef idx="0">
+            <a:schemeClr val="accent1"/>
+          </a:fillRef>
+          <a:effectRef idx="0">
+            <a:schemeClr val="accent1"/>
+          </a:effectRef>
+          <a:fontRef idx="minor">
+            <a:schemeClr val="tx1"/>
+          </a:fontRef>
+        </p:style>
+      </p:cxnSp>
+      <p:sp>
+        <p:nvSpPr>
+          <p:cNvPr id="23" name="文本框 22"/>
+          <p:cNvSpPr txBox="1"/>
+          <p:nvPr/>
+        </p:nvSpPr>
+        <p:spPr>
+          <a:xfrm>
+            <a:off x="952500" y="1663700"/>
+            <a:ext cx="1042273" cy="369332"/>
+          </a:xfrm>
+          <a:prstGeom prst="rect">
+            <a:avLst/>
+          </a:prstGeom>
+          <a:noFill/>
+        </p:spPr>
+        <p:txBody>
+          <a:bodyPr wrap="none" rtlCol="0">
+            <a:spAutoFit/>
+          </a:bodyPr>
+          <a:lstStyle/>
+          <a:p>
+            <a:r>
+              <a:rPr kumimoji="1" lang="en-US" altLang="zh-CN" smtClean="0"/>
+              <a:t>AHP</a:t>
+            </a:r>
+            <a:r>
+              <a:rPr kumimoji="1" lang="zh-CN" altLang="en-US" dirty="0" smtClean="0"/>
+              <a:t>计算</a:t>
+            </a:r>
+            <a:endParaRPr kumimoji="1" lang="zh-CN" altLang="en-US" dirty="0"/>
+          </a:p>
+        </p:txBody>
+      </p:sp>
+    </p:spTree>
+    <p:extLst>
+      <p:ext uri="{BB962C8B-B14F-4D97-AF65-F5344CB8AC3E}">
+        <p14:creationId xmlns:p14="http://schemas.microsoft.com/office/powerpoint/2010/main" val="348489573"/>
+      </p:ext>
+    </p:extLst>
+  </p:cSld>
+  <p:clrMapOvr>
+    <a:masterClrMapping/>
+  </p:clrMapOvr>
+</p:sld>
+</file>
+
 <file path=ppt/theme/theme1.xml><?xml version="1.0" encoding="utf-8"?>
 <a:theme xmlns:a="http://schemas.openxmlformats.org/drawingml/2006/main" name="Office 主题">
   <a:themeElements>
